--- a/Presentation1.pptx
+++ b/Presentation1.pptx
@@ -120,6 +120,761 @@
     </p:ext>
   </p:extLst>
 </p:presentation>
+</file>
+
+<file path=ppt/changesInfos/changesInfo1.xml><?xml version="1.0" encoding="utf-8"?>
+<pc:chgInfo xmlns:a="http://schemas.openxmlformats.org/drawingml/2006/main" xmlns:r="http://schemas.openxmlformats.org/officeDocument/2006/relationships" xmlns:ac="http://schemas.microsoft.com/office/drawing/2013/main/command" xmlns:pc="http://schemas.microsoft.com/office/powerpoint/2013/main/command">
+  <pc:docChgLst>
+    <pc:chgData name="kartik verma" userId="33168c40b5e5c6d2" providerId="LiveId" clId="{9A387CA0-64FF-436D-BCB2-E184F293D2BA}"/>
+    <pc:docChg chg="undo custSel modSld">
+      <pc:chgData name="kartik verma" userId="33168c40b5e5c6d2" providerId="LiveId" clId="{9A387CA0-64FF-436D-BCB2-E184F293D2BA}" dt="2022-06-24T10:30:31.581" v="153"/>
+      <pc:docMkLst>
+        <pc:docMk/>
+      </pc:docMkLst>
+      <pc:sldChg chg="addSp delSp modSp mod">
+        <pc:chgData name="kartik verma" userId="33168c40b5e5c6d2" providerId="LiveId" clId="{9A387CA0-64FF-436D-BCB2-E184F293D2BA}" dt="2022-06-24T10:30:31.581" v="153"/>
+        <pc:sldMkLst>
+          <pc:docMk/>
+          <pc:sldMk cId="1148841733" sldId="260"/>
+        </pc:sldMkLst>
+        <pc:grpChg chg="del mod">
+          <ac:chgData name="kartik verma" userId="33168c40b5e5c6d2" providerId="LiveId" clId="{9A387CA0-64FF-436D-BCB2-E184F293D2BA}" dt="2022-06-24T09:48:28.006" v="25"/>
+          <ac:grpSpMkLst>
+            <pc:docMk/>
+            <pc:sldMk cId="1148841733" sldId="260"/>
+            <ac:grpSpMk id="19" creationId="{14106C02-4ECD-0CB1-9C35-A87ABBEAF3C9}"/>
+          </ac:grpSpMkLst>
+        </pc:grpChg>
+        <pc:grpChg chg="del mod">
+          <ac:chgData name="kartik verma" userId="33168c40b5e5c6d2" providerId="LiveId" clId="{9A387CA0-64FF-436D-BCB2-E184F293D2BA}" dt="2022-06-24T09:48:28.661" v="27"/>
+          <ac:grpSpMkLst>
+            <pc:docMk/>
+            <pc:sldMk cId="1148841733" sldId="260"/>
+            <ac:grpSpMk id="22" creationId="{47BE4FC6-7CB1-0A7C-9699-D3C88F76005F}"/>
+          </ac:grpSpMkLst>
+        </pc:grpChg>
+        <pc:grpChg chg="del mod">
+          <ac:chgData name="kartik verma" userId="33168c40b5e5c6d2" providerId="LiveId" clId="{9A387CA0-64FF-436D-BCB2-E184F293D2BA}" dt="2022-06-24T09:48:36.157" v="30"/>
+          <ac:grpSpMkLst>
+            <pc:docMk/>
+            <pc:sldMk cId="1148841733" sldId="260"/>
+            <ac:grpSpMk id="24" creationId="{31C941A3-8B1A-FF46-E420-88C32FA9B717}"/>
+          </ac:grpSpMkLst>
+        </pc:grpChg>
+        <pc:grpChg chg="del mod">
+          <ac:chgData name="kartik verma" userId="33168c40b5e5c6d2" providerId="LiveId" clId="{9A387CA0-64FF-436D-BCB2-E184F293D2BA}" dt="2022-06-24T09:48:41.505" v="33"/>
+          <ac:grpSpMkLst>
+            <pc:docMk/>
+            <pc:sldMk cId="1148841733" sldId="260"/>
+            <ac:grpSpMk id="27" creationId="{A7BECB03-CB93-2B37-DB52-DA7A43251221}"/>
+          </ac:grpSpMkLst>
+        </pc:grpChg>
+        <pc:grpChg chg="del mod">
+          <ac:chgData name="kartik verma" userId="33168c40b5e5c6d2" providerId="LiveId" clId="{9A387CA0-64FF-436D-BCB2-E184F293D2BA}" dt="2022-06-24T09:48:57.661" v="38"/>
+          <ac:grpSpMkLst>
+            <pc:docMk/>
+            <pc:sldMk cId="1148841733" sldId="260"/>
+            <ac:grpSpMk id="30" creationId="{470000C2-02E4-63F6-DBC3-EFFC60EE7DF3}"/>
+          </ac:grpSpMkLst>
+        </pc:grpChg>
+        <pc:grpChg chg="del mod">
+          <ac:chgData name="kartik verma" userId="33168c40b5e5c6d2" providerId="LiveId" clId="{9A387CA0-64FF-436D-BCB2-E184F293D2BA}" dt="2022-06-24T09:48:57.661" v="38"/>
+          <ac:grpSpMkLst>
+            <pc:docMk/>
+            <pc:sldMk cId="1148841733" sldId="260"/>
+            <ac:grpSpMk id="33" creationId="{3F319365-FCD6-E5CD-C577-228FBB97AC28}"/>
+          </ac:grpSpMkLst>
+        </pc:grpChg>
+        <pc:grpChg chg="add del mod">
+          <ac:chgData name="kartik verma" userId="33168c40b5e5c6d2" providerId="LiveId" clId="{9A387CA0-64FF-436D-BCB2-E184F293D2BA}" dt="2022-06-24T10:30:30.797" v="152"/>
+          <ac:grpSpMkLst>
+            <pc:docMk/>
+            <pc:sldMk cId="1148841733" sldId="260"/>
+            <ac:grpSpMk id="35" creationId="{EB13A26B-7F8E-A907-F20A-26EFF4101DFF}"/>
+          </ac:grpSpMkLst>
+        </pc:grpChg>
+        <pc:grpChg chg="mod">
+          <ac:chgData name="kartik verma" userId="33168c40b5e5c6d2" providerId="LiveId" clId="{9A387CA0-64FF-436D-BCB2-E184F293D2BA}" dt="2022-06-24T09:49:06.752" v="45"/>
+          <ac:grpSpMkLst>
+            <pc:docMk/>
+            <pc:sldMk cId="1148841733" sldId="260"/>
+            <ac:grpSpMk id="40" creationId="{305FB2B5-E201-AF05-56E6-F1AC16C784AB}"/>
+          </ac:grpSpMkLst>
+        </pc:grpChg>
+        <pc:inkChg chg="add del">
+          <ac:chgData name="kartik verma" userId="33168c40b5e5c6d2" providerId="LiveId" clId="{9A387CA0-64FF-436D-BCB2-E184F293D2BA}" dt="2022-06-24T09:12:19.777" v="15" actId="9405"/>
+          <ac:inkMkLst>
+            <pc:docMk/>
+            <pc:sldMk cId="1148841733" sldId="260"/>
+            <ac:inkMk id="3" creationId="{B7714755-57D7-1755-756C-66CB9D9C0C18}"/>
+          </ac:inkMkLst>
+        </pc:inkChg>
+        <pc:inkChg chg="add del">
+          <ac:chgData name="kartik verma" userId="33168c40b5e5c6d2" providerId="LiveId" clId="{9A387CA0-64FF-436D-BCB2-E184F293D2BA}" dt="2022-06-24T09:12:19.404" v="14" actId="9405"/>
+          <ac:inkMkLst>
+            <pc:docMk/>
+            <pc:sldMk cId="1148841733" sldId="260"/>
+            <ac:inkMk id="4" creationId="{9D76BA75-5173-7C6B-4886-44E6CC868055}"/>
+          </ac:inkMkLst>
+        </pc:inkChg>
+        <pc:inkChg chg="add del">
+          <ac:chgData name="kartik verma" userId="33168c40b5e5c6d2" providerId="LiveId" clId="{9A387CA0-64FF-436D-BCB2-E184F293D2BA}" dt="2022-06-24T09:12:18.973" v="13" actId="9405"/>
+          <ac:inkMkLst>
+            <pc:docMk/>
+            <pc:sldMk cId="1148841733" sldId="260"/>
+            <ac:inkMk id="5" creationId="{2A787422-8FDA-3D18-348D-EC067B26DB65}"/>
+          </ac:inkMkLst>
+        </pc:inkChg>
+        <pc:inkChg chg="add del">
+          <ac:chgData name="kartik verma" userId="33168c40b5e5c6d2" providerId="LiveId" clId="{9A387CA0-64FF-436D-BCB2-E184F293D2BA}" dt="2022-06-24T09:12:18.714" v="12" actId="9405"/>
+          <ac:inkMkLst>
+            <pc:docMk/>
+            <pc:sldMk cId="1148841733" sldId="260"/>
+            <ac:inkMk id="6" creationId="{57D18281-3DA4-BFEA-BD11-07F96406F19B}"/>
+          </ac:inkMkLst>
+        </pc:inkChg>
+        <pc:inkChg chg="add del">
+          <ac:chgData name="kartik verma" userId="33168c40b5e5c6d2" providerId="LiveId" clId="{9A387CA0-64FF-436D-BCB2-E184F293D2BA}" dt="2022-06-24T09:12:18.416" v="11" actId="9405"/>
+          <ac:inkMkLst>
+            <pc:docMk/>
+            <pc:sldMk cId="1148841733" sldId="260"/>
+            <ac:inkMk id="8" creationId="{0A6408B8-A67B-8962-1EC4-21C53A920C88}"/>
+          </ac:inkMkLst>
+        </pc:inkChg>
+        <pc:inkChg chg="add del">
+          <ac:chgData name="kartik verma" userId="33168c40b5e5c6d2" providerId="LiveId" clId="{9A387CA0-64FF-436D-BCB2-E184F293D2BA}" dt="2022-06-24T09:12:18.128" v="10" actId="9405"/>
+          <ac:inkMkLst>
+            <pc:docMk/>
+            <pc:sldMk cId="1148841733" sldId="260"/>
+            <ac:inkMk id="9" creationId="{32F4EB24-2B8B-6A6B-49A8-50C9F6C750EE}"/>
+          </ac:inkMkLst>
+        </pc:inkChg>
+        <pc:inkChg chg="add del">
+          <ac:chgData name="kartik verma" userId="33168c40b5e5c6d2" providerId="LiveId" clId="{9A387CA0-64FF-436D-BCB2-E184F293D2BA}" dt="2022-06-24T09:12:17.628" v="9" actId="9405"/>
+          <ac:inkMkLst>
+            <pc:docMk/>
+            <pc:sldMk cId="1148841733" sldId="260"/>
+            <ac:inkMk id="10" creationId="{B8347846-B913-3D54-9EDF-C5BC0E0A1C48}"/>
+          </ac:inkMkLst>
+        </pc:inkChg>
+        <pc:inkChg chg="add del">
+          <ac:chgData name="kartik verma" userId="33168c40b5e5c6d2" providerId="LiveId" clId="{9A387CA0-64FF-436D-BCB2-E184F293D2BA}" dt="2022-06-24T09:12:16.183" v="8" actId="9405"/>
+          <ac:inkMkLst>
+            <pc:docMk/>
+            <pc:sldMk cId="1148841733" sldId="260"/>
+            <ac:inkMk id="12" creationId="{0BC75037-71A7-AE88-9A2C-C479747B8F3F}"/>
+          </ac:inkMkLst>
+        </pc:inkChg>
+        <pc:inkChg chg="add del">
+          <ac:chgData name="kartik verma" userId="33168c40b5e5c6d2" providerId="LiveId" clId="{9A387CA0-64FF-436D-BCB2-E184F293D2BA}" dt="2022-06-24T10:30:26.947" v="137"/>
+          <ac:inkMkLst>
+            <pc:docMk/>
+            <pc:sldMk cId="1148841733" sldId="260"/>
+            <ac:inkMk id="13" creationId="{0F48C3A0-39C1-2760-C915-6E5A1268FE0D}"/>
+          </ac:inkMkLst>
+        </pc:inkChg>
+        <pc:inkChg chg="add del">
+          <ac:chgData name="kartik verma" userId="33168c40b5e5c6d2" providerId="LiveId" clId="{9A387CA0-64FF-436D-BCB2-E184F293D2BA}" dt="2022-06-24T10:30:29.904" v="149"/>
+          <ac:inkMkLst>
+            <pc:docMk/>
+            <pc:sldMk cId="1148841733" sldId="260"/>
+            <ac:inkMk id="14" creationId="{B7B4EA71-185A-4455-2120-29D6DE38ACA5}"/>
+          </ac:inkMkLst>
+        </pc:inkChg>
+        <pc:inkChg chg="add del mod">
+          <ac:chgData name="kartik verma" userId="33168c40b5e5c6d2" providerId="LiveId" clId="{9A387CA0-64FF-436D-BCB2-E184F293D2BA}" dt="2022-06-24T10:30:29.904" v="148"/>
+          <ac:inkMkLst>
+            <pc:docMk/>
+            <pc:sldMk cId="1148841733" sldId="260"/>
+            <ac:inkMk id="15" creationId="{769F0C17-0673-038E-CEA1-F689EDD9DACA}"/>
+          </ac:inkMkLst>
+        </pc:inkChg>
+        <pc:inkChg chg="add del mod">
+          <ac:chgData name="kartik verma" userId="33168c40b5e5c6d2" providerId="LiveId" clId="{9A387CA0-64FF-436D-BCB2-E184F293D2BA}" dt="2022-06-24T10:30:30.797" v="152"/>
+          <ac:inkMkLst>
+            <pc:docMk/>
+            <pc:sldMk cId="1148841733" sldId="260"/>
+            <ac:inkMk id="16" creationId="{3DF5FC67-AF1E-34EC-7881-D7C494A988DF}"/>
+          </ac:inkMkLst>
+        </pc:inkChg>
+        <pc:inkChg chg="add del mod">
+          <ac:chgData name="kartik verma" userId="33168c40b5e5c6d2" providerId="LiveId" clId="{9A387CA0-64FF-436D-BCB2-E184F293D2BA}" dt="2022-06-24T10:30:30.446" v="151"/>
+          <ac:inkMkLst>
+            <pc:docMk/>
+            <pc:sldMk cId="1148841733" sldId="260"/>
+            <ac:inkMk id="17" creationId="{04A1E392-EAC8-95D4-AD29-EABA4435E7A5}"/>
+          </ac:inkMkLst>
+        </pc:inkChg>
+        <pc:inkChg chg="add del mod">
+          <ac:chgData name="kartik verma" userId="33168c40b5e5c6d2" providerId="LiveId" clId="{9A387CA0-64FF-436D-BCB2-E184F293D2BA}" dt="2022-06-24T10:30:30.446" v="150"/>
+          <ac:inkMkLst>
+            <pc:docMk/>
+            <pc:sldMk cId="1148841733" sldId="260"/>
+            <ac:inkMk id="18" creationId="{95815CA6-6B5B-5B1A-61A7-AD33CF038CA5}"/>
+          </ac:inkMkLst>
+        </pc:inkChg>
+        <pc:inkChg chg="add del mod">
+          <ac:chgData name="kartik verma" userId="33168c40b5e5c6d2" providerId="LiveId" clId="{9A387CA0-64FF-436D-BCB2-E184F293D2BA}" dt="2022-06-24T10:30:26.947" v="138"/>
+          <ac:inkMkLst>
+            <pc:docMk/>
+            <pc:sldMk cId="1148841733" sldId="260"/>
+            <ac:inkMk id="20" creationId="{D4BE81A8-C668-EBA4-9864-F24D5B7024C5}"/>
+          </ac:inkMkLst>
+        </pc:inkChg>
+        <pc:inkChg chg="add del mod">
+          <ac:chgData name="kartik verma" userId="33168c40b5e5c6d2" providerId="LiveId" clId="{9A387CA0-64FF-436D-BCB2-E184F293D2BA}" dt="2022-06-24T10:30:26.948" v="139"/>
+          <ac:inkMkLst>
+            <pc:docMk/>
+            <pc:sldMk cId="1148841733" sldId="260"/>
+            <ac:inkMk id="21" creationId="{479D9839-BA96-FC6E-484A-968AFC9F7104}"/>
+          </ac:inkMkLst>
+        </pc:inkChg>
+        <pc:inkChg chg="add del mod">
+          <ac:chgData name="kartik verma" userId="33168c40b5e5c6d2" providerId="LiveId" clId="{9A387CA0-64FF-436D-BCB2-E184F293D2BA}" dt="2022-06-24T10:30:26.949" v="140"/>
+          <ac:inkMkLst>
+            <pc:docMk/>
+            <pc:sldMk cId="1148841733" sldId="260"/>
+            <ac:inkMk id="23" creationId="{57586663-277B-A059-9772-E14129513F0E}"/>
+          </ac:inkMkLst>
+        </pc:inkChg>
+        <pc:inkChg chg="add del mod">
+          <ac:chgData name="kartik verma" userId="33168c40b5e5c6d2" providerId="LiveId" clId="{9A387CA0-64FF-436D-BCB2-E184F293D2BA}" dt="2022-06-24T10:30:26.949" v="141"/>
+          <ac:inkMkLst>
+            <pc:docMk/>
+            <pc:sldMk cId="1148841733" sldId="260"/>
+            <ac:inkMk id="25" creationId="{ABC4EE73-F4E0-3843-BA14-BDF69CA7190E}"/>
+          </ac:inkMkLst>
+        </pc:inkChg>
+        <pc:inkChg chg="add del mod">
+          <ac:chgData name="kartik verma" userId="33168c40b5e5c6d2" providerId="LiveId" clId="{9A387CA0-64FF-436D-BCB2-E184F293D2BA}" dt="2022-06-24T10:30:31.581" v="153"/>
+          <ac:inkMkLst>
+            <pc:docMk/>
+            <pc:sldMk cId="1148841733" sldId="260"/>
+            <ac:inkMk id="26" creationId="{58E65F2D-F886-C097-18F6-5425A57F9B3B}"/>
+          </ac:inkMkLst>
+        </pc:inkChg>
+        <pc:inkChg chg="add del mod">
+          <ac:chgData name="kartik verma" userId="33168c40b5e5c6d2" providerId="LiveId" clId="{9A387CA0-64FF-436D-BCB2-E184F293D2BA}" dt="2022-06-24T09:49:14.615" v="46"/>
+          <ac:inkMkLst>
+            <pc:docMk/>
+            <pc:sldMk cId="1148841733" sldId="260"/>
+            <ac:inkMk id="28" creationId="{88AFC951-BEFB-7F73-E116-42F9C0C1C282}"/>
+          </ac:inkMkLst>
+        </pc:inkChg>
+        <pc:inkChg chg="add del mod">
+          <ac:chgData name="kartik verma" userId="33168c40b5e5c6d2" providerId="LiveId" clId="{9A387CA0-64FF-436D-BCB2-E184F293D2BA}" dt="2022-06-24T09:49:15.265" v="47"/>
+          <ac:inkMkLst>
+            <pc:docMk/>
+            <pc:sldMk cId="1148841733" sldId="260"/>
+            <ac:inkMk id="29" creationId="{8E60CDC5-F9A1-2DD0-2F59-5DE88C05E851}"/>
+          </ac:inkMkLst>
+        </pc:inkChg>
+        <pc:inkChg chg="add del mod">
+          <ac:chgData name="kartik verma" userId="33168c40b5e5c6d2" providerId="LiveId" clId="{9A387CA0-64FF-436D-BCB2-E184F293D2BA}" dt="2022-06-24T10:30:27.473" v="142"/>
+          <ac:inkMkLst>
+            <pc:docMk/>
+            <pc:sldMk cId="1148841733" sldId="260"/>
+            <ac:inkMk id="31" creationId="{132E2DB2-5AC2-FB4B-C2E0-D2D0F7B2E20D}"/>
+          </ac:inkMkLst>
+        </pc:inkChg>
+        <pc:inkChg chg="add del mod">
+          <ac:chgData name="kartik verma" userId="33168c40b5e5c6d2" providerId="LiveId" clId="{9A387CA0-64FF-436D-BCB2-E184F293D2BA}" dt="2022-06-24T10:30:27.473" v="144"/>
+          <ac:inkMkLst>
+            <pc:docMk/>
+            <pc:sldMk cId="1148841733" sldId="260"/>
+            <ac:inkMk id="32" creationId="{E7D6C445-ED05-E398-67AA-84A78E72D7E2}"/>
+          </ac:inkMkLst>
+        </pc:inkChg>
+        <pc:inkChg chg="add del mod">
+          <ac:chgData name="kartik verma" userId="33168c40b5e5c6d2" providerId="LiveId" clId="{9A387CA0-64FF-436D-BCB2-E184F293D2BA}" dt="2022-06-24T10:30:27.473" v="143"/>
+          <ac:inkMkLst>
+            <pc:docMk/>
+            <pc:sldMk cId="1148841733" sldId="260"/>
+            <ac:inkMk id="34" creationId="{BE96C0E8-A2B9-F03D-FF14-C80B01485D8A}"/>
+          </ac:inkMkLst>
+        </pc:inkChg>
+        <pc:inkChg chg="add del mod">
+          <ac:chgData name="kartik verma" userId="33168c40b5e5c6d2" providerId="LiveId" clId="{9A387CA0-64FF-436D-BCB2-E184F293D2BA}" dt="2022-06-24T10:30:28.274" v="145"/>
+          <ac:inkMkLst>
+            <pc:docMk/>
+            <pc:sldMk cId="1148841733" sldId="260"/>
+            <ac:inkMk id="36" creationId="{64E35678-4749-48A2-79B4-E57AA2A137FF}"/>
+          </ac:inkMkLst>
+        </pc:inkChg>
+        <pc:inkChg chg="add del mod">
+          <ac:chgData name="kartik verma" userId="33168c40b5e5c6d2" providerId="LiveId" clId="{9A387CA0-64FF-436D-BCB2-E184F293D2BA}" dt="2022-06-24T10:30:28.850" v="146"/>
+          <ac:inkMkLst>
+            <pc:docMk/>
+            <pc:sldMk cId="1148841733" sldId="260"/>
+            <ac:inkMk id="37" creationId="{8948C2BA-5785-BB8D-2F42-FD61AEE3A207}"/>
+          </ac:inkMkLst>
+        </pc:inkChg>
+        <pc:inkChg chg="add del mod">
+          <ac:chgData name="kartik verma" userId="33168c40b5e5c6d2" providerId="LiveId" clId="{9A387CA0-64FF-436D-BCB2-E184F293D2BA}" dt="2022-06-24T10:30:29.346" v="147"/>
+          <ac:inkMkLst>
+            <pc:docMk/>
+            <pc:sldMk cId="1148841733" sldId="260"/>
+            <ac:inkMk id="38" creationId="{0DADA765-11F2-7096-AAD5-8FE84A3B6865}"/>
+          </ac:inkMkLst>
+        </pc:inkChg>
+        <pc:inkChg chg="add del mod">
+          <ac:chgData name="kartik verma" userId="33168c40b5e5c6d2" providerId="LiveId" clId="{9A387CA0-64FF-436D-BCB2-E184F293D2BA}" dt="2022-06-24T09:49:06.752" v="45"/>
+          <ac:inkMkLst>
+            <pc:docMk/>
+            <pc:sldMk cId="1148841733" sldId="260"/>
+            <ac:inkMk id="39" creationId="{E57E80DF-740A-5A8D-6E81-5D199AB0D382}"/>
+          </ac:inkMkLst>
+        </pc:inkChg>
+      </pc:sldChg>
+      <pc:sldChg chg="addSp delSp modSp mod">
+        <pc:chgData name="kartik verma" userId="33168c40b5e5c6d2" providerId="LiveId" clId="{9A387CA0-64FF-436D-BCB2-E184F293D2BA}" dt="2022-06-24T10:30:14.333" v="121"/>
+        <pc:sldMkLst>
+          <pc:docMk/>
+          <pc:sldMk cId="182966457" sldId="261"/>
+        </pc:sldMkLst>
+        <pc:grpChg chg="mod">
+          <ac:chgData name="kartik verma" userId="33168c40b5e5c6d2" providerId="LiveId" clId="{9A387CA0-64FF-436D-BCB2-E184F293D2BA}" dt="2022-06-24T10:29:57.934" v="115"/>
+          <ac:grpSpMkLst>
+            <pc:docMk/>
+            <pc:sldMk cId="182966457" sldId="261"/>
+            <ac:grpSpMk id="6" creationId="{29F72200-C4E6-9306-6566-A2BB9D46103F}"/>
+          </ac:grpSpMkLst>
+        </pc:grpChg>
+        <pc:inkChg chg="add del mod">
+          <ac:chgData name="kartik verma" userId="33168c40b5e5c6d2" providerId="LiveId" clId="{9A387CA0-64FF-436D-BCB2-E184F293D2BA}" dt="2022-06-24T10:30:14.333" v="121"/>
+          <ac:inkMkLst>
+            <pc:docMk/>
+            <pc:sldMk cId="182966457" sldId="261"/>
+            <ac:inkMk id="2" creationId="{2E382A41-7C4D-3F19-FADB-C5F230570288}"/>
+          </ac:inkMkLst>
+        </pc:inkChg>
+        <pc:inkChg chg="add del mod">
+          <ac:chgData name="kartik verma" userId="33168c40b5e5c6d2" providerId="LiveId" clId="{9A387CA0-64FF-436D-BCB2-E184F293D2BA}" dt="2022-06-24T10:29:58.468" v="117" actId="9405"/>
+          <ac:inkMkLst>
+            <pc:docMk/>
+            <pc:sldMk cId="182966457" sldId="261"/>
+            <ac:inkMk id="3" creationId="{EC4B4111-6754-A547-56FD-4788258CD2A4}"/>
+          </ac:inkMkLst>
+        </pc:inkChg>
+        <pc:inkChg chg="add del mod">
+          <ac:chgData name="kartik verma" userId="33168c40b5e5c6d2" providerId="LiveId" clId="{9A387CA0-64FF-436D-BCB2-E184F293D2BA}" dt="2022-06-24T10:29:58.207" v="116" actId="9405"/>
+          <ac:inkMkLst>
+            <pc:docMk/>
+            <pc:sldMk cId="182966457" sldId="261"/>
+            <ac:inkMk id="4" creationId="{0F4D60DE-6522-CE68-4736-082365022170}"/>
+          </ac:inkMkLst>
+        </pc:inkChg>
+        <pc:inkChg chg="add del mod">
+          <ac:chgData name="kartik verma" userId="33168c40b5e5c6d2" providerId="LiveId" clId="{9A387CA0-64FF-436D-BCB2-E184F293D2BA}" dt="2022-06-24T10:29:57.934" v="115"/>
+          <ac:inkMkLst>
+            <pc:docMk/>
+            <pc:sldMk cId="182966457" sldId="261"/>
+            <ac:inkMk id="5" creationId="{6BD5343F-ABAE-F555-B673-38DE8F400035}"/>
+          </ac:inkMkLst>
+        </pc:inkChg>
+        <pc:inkChg chg="add del">
+          <ac:chgData name="kartik verma" userId="33168c40b5e5c6d2" providerId="LiveId" clId="{9A387CA0-64FF-436D-BCB2-E184F293D2BA}" dt="2022-06-24T10:30:06.812" v="119" actId="9405"/>
+          <ac:inkMkLst>
+            <pc:docMk/>
+            <pc:sldMk cId="182966457" sldId="261"/>
+            <ac:inkMk id="7" creationId="{601632E7-AF60-71CB-01F4-07348F7E49C7}"/>
+          </ac:inkMkLst>
+        </pc:inkChg>
+      </pc:sldChg>
+      <pc:sldChg chg="addSp delSp modSp mod">
+        <pc:chgData name="kartik verma" userId="33168c40b5e5c6d2" providerId="LiveId" clId="{9A387CA0-64FF-436D-BCB2-E184F293D2BA}" dt="2022-06-24T10:30:24.101" v="136"/>
+        <pc:sldMkLst>
+          <pc:docMk/>
+          <pc:sldMk cId="2589396833" sldId="262"/>
+        </pc:sldMkLst>
+        <pc:grpChg chg="del mod">
+          <ac:chgData name="kartik verma" userId="33168c40b5e5c6d2" providerId="LiveId" clId="{9A387CA0-64FF-436D-BCB2-E184F293D2BA}" dt="2022-06-24T09:51:23.600" v="59"/>
+          <ac:grpSpMkLst>
+            <pc:docMk/>
+            <pc:sldMk cId="2589396833" sldId="262"/>
+            <ac:grpSpMk id="9" creationId="{7C29D176-F45A-2B38-90D8-3FB8A31A76C8}"/>
+          </ac:grpSpMkLst>
+        </pc:grpChg>
+        <pc:grpChg chg="del mod">
+          <ac:chgData name="kartik verma" userId="33168c40b5e5c6d2" providerId="LiveId" clId="{9A387CA0-64FF-436D-BCB2-E184F293D2BA}" dt="2022-06-24T09:51:40.355" v="61"/>
+          <ac:grpSpMkLst>
+            <pc:docMk/>
+            <pc:sldMk cId="2589396833" sldId="262"/>
+            <ac:grpSpMk id="14" creationId="{4F7B426E-A4B9-D805-36CF-3515525A83AF}"/>
+          </ac:grpSpMkLst>
+        </pc:grpChg>
+        <pc:grpChg chg="del mod">
+          <ac:chgData name="kartik verma" userId="33168c40b5e5c6d2" providerId="LiveId" clId="{9A387CA0-64FF-436D-BCB2-E184F293D2BA}" dt="2022-06-24T09:51:42.222" v="63"/>
+          <ac:grpSpMkLst>
+            <pc:docMk/>
+            <pc:sldMk cId="2589396833" sldId="262"/>
+            <ac:grpSpMk id="16" creationId="{0CCACD36-636A-89A8-D479-E8E868CA0459}"/>
+          </ac:grpSpMkLst>
+        </pc:grpChg>
+        <pc:grpChg chg="del mod">
+          <ac:chgData name="kartik verma" userId="33168c40b5e5c6d2" providerId="LiveId" clId="{9A387CA0-64FF-436D-BCB2-E184F293D2BA}" dt="2022-06-24T09:51:48.220" v="65"/>
+          <ac:grpSpMkLst>
+            <pc:docMk/>
+            <pc:sldMk cId="2589396833" sldId="262"/>
+            <ac:grpSpMk id="18" creationId="{BE85E90C-08F7-0B07-5BBD-132D9223C5AC}"/>
+          </ac:grpSpMkLst>
+        </pc:grpChg>
+        <pc:grpChg chg="del mod">
+          <ac:chgData name="kartik verma" userId="33168c40b5e5c6d2" providerId="LiveId" clId="{9A387CA0-64FF-436D-BCB2-E184F293D2BA}" dt="2022-06-24T09:51:49.201" v="68"/>
+          <ac:grpSpMkLst>
+            <pc:docMk/>
+            <pc:sldMk cId="2589396833" sldId="262"/>
+            <ac:grpSpMk id="20" creationId="{8FABC064-C5D5-9753-B2AD-C8AD4CC69A44}"/>
+          </ac:grpSpMkLst>
+        </pc:grpChg>
+        <pc:grpChg chg="del mod">
+          <ac:chgData name="kartik verma" userId="33168c40b5e5c6d2" providerId="LiveId" clId="{9A387CA0-64FF-436D-BCB2-E184F293D2BA}" dt="2022-06-24T09:51:50.977" v="70"/>
+          <ac:grpSpMkLst>
+            <pc:docMk/>
+            <pc:sldMk cId="2589396833" sldId="262"/>
+            <ac:grpSpMk id="23" creationId="{B784E09A-6AA5-A20E-4F15-C2708AEBAE17}"/>
+          </ac:grpSpMkLst>
+        </pc:grpChg>
+        <pc:grpChg chg="del mod">
+          <ac:chgData name="kartik verma" userId="33168c40b5e5c6d2" providerId="LiveId" clId="{9A387CA0-64FF-436D-BCB2-E184F293D2BA}" dt="2022-06-24T09:51:52.503" v="72"/>
+          <ac:grpSpMkLst>
+            <pc:docMk/>
+            <pc:sldMk cId="2589396833" sldId="262"/>
+            <ac:grpSpMk id="25" creationId="{1E9D0256-2350-3665-F893-014E4C58E368}"/>
+          </ac:grpSpMkLst>
+        </pc:grpChg>
+        <pc:grpChg chg="del mod">
+          <ac:chgData name="kartik verma" userId="33168c40b5e5c6d2" providerId="LiveId" clId="{9A387CA0-64FF-436D-BCB2-E184F293D2BA}" dt="2022-06-24T10:30:22.659" v="135"/>
+          <ac:grpSpMkLst>
+            <pc:docMk/>
+            <pc:sldMk cId="2589396833" sldId="262"/>
+            <ac:grpSpMk id="27" creationId="{9762476E-E460-6F1A-7E0F-6CAE92B167DA}"/>
+          </ac:grpSpMkLst>
+        </pc:grpChg>
+        <pc:inkChg chg="add del">
+          <ac:chgData name="kartik verma" userId="33168c40b5e5c6d2" providerId="LiveId" clId="{9A387CA0-64FF-436D-BCB2-E184F293D2BA}" dt="2022-06-24T10:30:21.601" v="134"/>
+          <ac:inkMkLst>
+            <pc:docMk/>
+            <pc:sldMk cId="2589396833" sldId="262"/>
+            <ac:inkMk id="2" creationId="{E8FD4126-75AB-FB2A-BF7E-563D19381447}"/>
+          </ac:inkMkLst>
+        </pc:inkChg>
+        <pc:inkChg chg="add del">
+          <ac:chgData name="kartik verma" userId="33168c40b5e5c6d2" providerId="LiveId" clId="{9A387CA0-64FF-436D-BCB2-E184F293D2BA}" dt="2022-06-24T09:50:29.764" v="50" actId="9405"/>
+          <ac:inkMkLst>
+            <pc:docMk/>
+            <pc:sldMk cId="2589396833" sldId="262"/>
+            <ac:inkMk id="3" creationId="{40E9C766-5BD7-2A5C-6725-274C53C28FB4}"/>
+          </ac:inkMkLst>
+        </pc:inkChg>
+        <pc:inkChg chg="add del mod">
+          <ac:chgData name="kartik verma" userId="33168c40b5e5c6d2" providerId="LiveId" clId="{9A387CA0-64FF-436D-BCB2-E184F293D2BA}" dt="2022-06-24T10:30:22.659" v="135"/>
+          <ac:inkMkLst>
+            <pc:docMk/>
+            <pc:sldMk cId="2589396833" sldId="262"/>
+            <ac:inkMk id="4" creationId="{00229697-72C9-668B-1A3F-D4A58B21BF81}"/>
+          </ac:inkMkLst>
+        </pc:inkChg>
+        <pc:inkChg chg="add del mod">
+          <ac:chgData name="kartik verma" userId="33168c40b5e5c6d2" providerId="LiveId" clId="{9A387CA0-64FF-436D-BCB2-E184F293D2BA}" dt="2022-06-24T10:30:15.797" v="124"/>
+          <ac:inkMkLst>
+            <pc:docMk/>
+            <pc:sldMk cId="2589396833" sldId="262"/>
+            <ac:inkMk id="5" creationId="{1C33BBF8-757D-7EA8-EDA6-336EBB01E7C7}"/>
+          </ac:inkMkLst>
+        </pc:inkChg>
+        <pc:inkChg chg="add del mod">
+          <ac:chgData name="kartik verma" userId="33168c40b5e5c6d2" providerId="LiveId" clId="{9A387CA0-64FF-436D-BCB2-E184F293D2BA}" dt="2022-06-24T10:30:17.076" v="126"/>
+          <ac:inkMkLst>
+            <pc:docMk/>
+            <pc:sldMk cId="2589396833" sldId="262"/>
+            <ac:inkMk id="6" creationId="{EE6500CD-CF79-C14A-3D53-04EB8AD3ED27}"/>
+          </ac:inkMkLst>
+        </pc:inkChg>
+        <pc:inkChg chg="add del mod">
+          <ac:chgData name="kartik verma" userId="33168c40b5e5c6d2" providerId="LiveId" clId="{9A387CA0-64FF-436D-BCB2-E184F293D2BA}" dt="2022-06-24T10:30:24.101" v="136"/>
+          <ac:inkMkLst>
+            <pc:docMk/>
+            <pc:sldMk cId="2589396833" sldId="262"/>
+            <ac:inkMk id="10" creationId="{C9DBF8C4-72CF-3ED1-7510-D10DE57D1011}"/>
+          </ac:inkMkLst>
+        </pc:inkChg>
+        <pc:inkChg chg="add del mod">
+          <ac:chgData name="kartik verma" userId="33168c40b5e5c6d2" providerId="LiveId" clId="{9A387CA0-64FF-436D-BCB2-E184F293D2BA}" dt="2022-06-24T10:30:18.456" v="128"/>
+          <ac:inkMkLst>
+            <pc:docMk/>
+            <pc:sldMk cId="2589396833" sldId="262"/>
+            <ac:inkMk id="11" creationId="{05142664-8E0E-BC33-4AFF-5BD0949D3AFE}"/>
+          </ac:inkMkLst>
+        </pc:inkChg>
+        <pc:inkChg chg="add del mod">
+          <ac:chgData name="kartik verma" userId="33168c40b5e5c6d2" providerId="LiveId" clId="{9A387CA0-64FF-436D-BCB2-E184F293D2BA}" dt="2022-06-24T10:30:15.780" v="122"/>
+          <ac:inkMkLst>
+            <pc:docMk/>
+            <pc:sldMk cId="2589396833" sldId="262"/>
+            <ac:inkMk id="12" creationId="{55649072-8AB3-8AE7-6B4D-76C9CE5DE57C}"/>
+          </ac:inkMkLst>
+        </pc:inkChg>
+        <pc:inkChg chg="add del mod">
+          <ac:chgData name="kartik verma" userId="33168c40b5e5c6d2" providerId="LiveId" clId="{9A387CA0-64FF-436D-BCB2-E184F293D2BA}" dt="2022-06-24T10:30:21.310" v="133"/>
+          <ac:inkMkLst>
+            <pc:docMk/>
+            <pc:sldMk cId="2589396833" sldId="262"/>
+            <ac:inkMk id="13" creationId="{5F1C4AEC-6842-E1C9-043B-F23363A52515}"/>
+          </ac:inkMkLst>
+        </pc:inkChg>
+        <pc:inkChg chg="add del mod">
+          <ac:chgData name="kartik verma" userId="33168c40b5e5c6d2" providerId="LiveId" clId="{9A387CA0-64FF-436D-BCB2-E184F293D2BA}" dt="2022-06-24T10:30:17.785" v="127"/>
+          <ac:inkMkLst>
+            <pc:docMk/>
+            <pc:sldMk cId="2589396833" sldId="262"/>
+            <ac:inkMk id="15" creationId="{46EC2F62-EF62-EA47-0DC5-0C1F81A148E5}"/>
+          </ac:inkMkLst>
+        </pc:inkChg>
+        <pc:inkChg chg="add del mod">
+          <ac:chgData name="kartik verma" userId="33168c40b5e5c6d2" providerId="LiveId" clId="{9A387CA0-64FF-436D-BCB2-E184F293D2BA}" dt="2022-06-24T10:30:19.391" v="129"/>
+          <ac:inkMkLst>
+            <pc:docMk/>
+            <pc:sldMk cId="2589396833" sldId="262"/>
+            <ac:inkMk id="17" creationId="{CBFC3996-248B-7A3B-3568-9A0D2266DAEB}"/>
+          </ac:inkMkLst>
+        </pc:inkChg>
+        <pc:inkChg chg="add del mod">
+          <ac:chgData name="kartik verma" userId="33168c40b5e5c6d2" providerId="LiveId" clId="{9A387CA0-64FF-436D-BCB2-E184F293D2BA}" dt="2022-06-24T10:30:15.781" v="123"/>
+          <ac:inkMkLst>
+            <pc:docMk/>
+            <pc:sldMk cId="2589396833" sldId="262"/>
+            <ac:inkMk id="19" creationId="{4B6240A0-627C-81DD-4F65-281B1B6DF5A2}"/>
+          </ac:inkMkLst>
+        </pc:inkChg>
+        <pc:inkChg chg="add del mod">
+          <ac:chgData name="kartik verma" userId="33168c40b5e5c6d2" providerId="LiveId" clId="{9A387CA0-64FF-436D-BCB2-E184F293D2BA}" dt="2022-06-24T10:30:16.803" v="125"/>
+          <ac:inkMkLst>
+            <pc:docMk/>
+            <pc:sldMk cId="2589396833" sldId="262"/>
+            <ac:inkMk id="21" creationId="{4452CB77-598F-425C-8C71-A1A6BD8189AC}"/>
+          </ac:inkMkLst>
+        </pc:inkChg>
+        <pc:inkChg chg="add del mod">
+          <ac:chgData name="kartik verma" userId="33168c40b5e5c6d2" providerId="LiveId" clId="{9A387CA0-64FF-436D-BCB2-E184F293D2BA}" dt="2022-06-24T10:30:21.037" v="132"/>
+          <ac:inkMkLst>
+            <pc:docMk/>
+            <pc:sldMk cId="2589396833" sldId="262"/>
+            <ac:inkMk id="22" creationId="{6B0407C8-1C91-8CDB-779D-49EBD3E93CDE}"/>
+          </ac:inkMkLst>
+        </pc:inkChg>
+        <pc:inkChg chg="add del mod">
+          <ac:chgData name="kartik verma" userId="33168c40b5e5c6d2" providerId="LiveId" clId="{9A387CA0-64FF-436D-BCB2-E184F293D2BA}" dt="2022-06-24T10:30:21.037" v="131"/>
+          <ac:inkMkLst>
+            <pc:docMk/>
+            <pc:sldMk cId="2589396833" sldId="262"/>
+            <ac:inkMk id="24" creationId="{3CC2BDF9-49E9-A481-F432-6C1FEBCA9C70}"/>
+          </ac:inkMkLst>
+        </pc:inkChg>
+        <pc:inkChg chg="add del mod">
+          <ac:chgData name="kartik verma" userId="33168c40b5e5c6d2" providerId="LiveId" clId="{9A387CA0-64FF-436D-BCB2-E184F293D2BA}" dt="2022-06-24T10:30:20.004" v="130"/>
+          <ac:inkMkLst>
+            <pc:docMk/>
+            <pc:sldMk cId="2589396833" sldId="262"/>
+            <ac:inkMk id="26" creationId="{39FC84C7-FF9F-9D9B-7A61-947EDAB609F3}"/>
+          </ac:inkMkLst>
+        </pc:inkChg>
+      </pc:sldChg>
+      <pc:sldChg chg="addSp delSp mod">
+        <pc:chgData name="kartik verma" userId="33168c40b5e5c6d2" providerId="LiveId" clId="{9A387CA0-64FF-436D-BCB2-E184F293D2BA}" dt="2022-06-24T10:29:56.048" v="113" actId="9405"/>
+        <pc:sldMkLst>
+          <pc:docMk/>
+          <pc:sldMk cId="12449921" sldId="263"/>
+        </pc:sldMkLst>
+        <pc:inkChg chg="add del">
+          <ac:chgData name="kartik verma" userId="33168c40b5e5c6d2" providerId="LiveId" clId="{9A387CA0-64FF-436D-BCB2-E184F293D2BA}" dt="2022-06-24T10:29:56.048" v="113" actId="9405"/>
+          <ac:inkMkLst>
+            <pc:docMk/>
+            <pc:sldMk cId="12449921" sldId="263"/>
+            <ac:inkMk id="3" creationId="{194F44A7-F448-02E0-03D7-5AD27B5ABC52}"/>
+          </ac:inkMkLst>
+        </pc:inkChg>
+        <pc:inkChg chg="add del">
+          <ac:chgData name="kartik verma" userId="33168c40b5e5c6d2" providerId="LiveId" clId="{9A387CA0-64FF-436D-BCB2-E184F293D2BA}" dt="2022-06-24T10:29:55.800" v="112" actId="9405"/>
+          <ac:inkMkLst>
+            <pc:docMk/>
+            <pc:sldMk cId="12449921" sldId="263"/>
+            <ac:inkMk id="4" creationId="{939D8366-F8A8-672B-094A-434AAF7660E1}"/>
+          </ac:inkMkLst>
+        </pc:inkChg>
+        <pc:inkChg chg="add del">
+          <ac:chgData name="kartik verma" userId="33168c40b5e5c6d2" providerId="LiveId" clId="{9A387CA0-64FF-436D-BCB2-E184F293D2BA}" dt="2022-06-24T10:29:55.548" v="111" actId="9405"/>
+          <ac:inkMkLst>
+            <pc:docMk/>
+            <pc:sldMk cId="12449921" sldId="263"/>
+            <ac:inkMk id="5" creationId="{FFA16997-5784-50AE-D113-158FAECE25F0}"/>
+          </ac:inkMkLst>
+        </pc:inkChg>
+        <pc:inkChg chg="add del">
+          <ac:chgData name="kartik verma" userId="33168c40b5e5c6d2" providerId="LiveId" clId="{9A387CA0-64FF-436D-BCB2-E184F293D2BA}" dt="2022-06-24T10:29:55.308" v="110" actId="9405"/>
+          <ac:inkMkLst>
+            <pc:docMk/>
+            <pc:sldMk cId="12449921" sldId="263"/>
+            <ac:inkMk id="6" creationId="{015BE57B-82F6-6661-9433-750918FE4393}"/>
+          </ac:inkMkLst>
+        </pc:inkChg>
+        <pc:inkChg chg="add del">
+          <ac:chgData name="kartik verma" userId="33168c40b5e5c6d2" providerId="LiveId" clId="{9A387CA0-64FF-436D-BCB2-E184F293D2BA}" dt="2022-06-24T10:29:55.036" v="109" actId="9405"/>
+          <ac:inkMkLst>
+            <pc:docMk/>
+            <pc:sldMk cId="12449921" sldId="263"/>
+            <ac:inkMk id="7" creationId="{A062A4D1-FF5D-C65F-B6C2-533E2CBE2E78}"/>
+          </ac:inkMkLst>
+        </pc:inkChg>
+        <pc:inkChg chg="add del">
+          <ac:chgData name="kartik verma" userId="33168c40b5e5c6d2" providerId="LiveId" clId="{9A387CA0-64FF-436D-BCB2-E184F293D2BA}" dt="2022-06-24T10:29:54.704" v="108" actId="9405"/>
+          <ac:inkMkLst>
+            <pc:docMk/>
+            <pc:sldMk cId="12449921" sldId="263"/>
+            <ac:inkMk id="8" creationId="{60592ADA-FE66-7DE3-A4BB-EB13BD0E6F37}"/>
+          </ac:inkMkLst>
+        </pc:inkChg>
+        <pc:inkChg chg="add del">
+          <ac:chgData name="kartik verma" userId="33168c40b5e5c6d2" providerId="LiveId" clId="{9A387CA0-64FF-436D-BCB2-E184F293D2BA}" dt="2022-06-24T10:29:54.384" v="107" actId="9405"/>
+          <ac:inkMkLst>
+            <pc:docMk/>
+            <pc:sldMk cId="12449921" sldId="263"/>
+            <ac:inkMk id="10" creationId="{10978B25-6A99-6C0A-9AD2-B4E9E2325F62}"/>
+          </ac:inkMkLst>
+        </pc:inkChg>
+      </pc:sldChg>
+      <pc:sldChg chg="addSp delSp modSp mod">
+        <pc:chgData name="kartik verma" userId="33168c40b5e5c6d2" providerId="LiveId" clId="{9A387CA0-64FF-436D-BCB2-E184F293D2BA}" dt="2022-06-24T10:29:52.213" v="106" actId="9405"/>
+        <pc:sldMkLst>
+          <pc:docMk/>
+          <pc:sldMk cId="2248812490" sldId="264"/>
+        </pc:sldMkLst>
+        <pc:grpChg chg="mod">
+          <ac:chgData name="kartik verma" userId="33168c40b5e5c6d2" providerId="LiveId" clId="{9A387CA0-64FF-436D-BCB2-E184F293D2BA}" dt="2022-06-24T10:29:51.456" v="103"/>
+          <ac:grpSpMkLst>
+            <pc:docMk/>
+            <pc:sldMk cId="2248812490" sldId="264"/>
+            <ac:grpSpMk id="8" creationId="{1B22BD7E-6A21-7473-95CB-A23C64661D33}"/>
+          </ac:grpSpMkLst>
+        </pc:grpChg>
+        <pc:inkChg chg="add del">
+          <ac:chgData name="kartik verma" userId="33168c40b5e5c6d2" providerId="LiveId" clId="{9A387CA0-64FF-436D-BCB2-E184F293D2BA}" dt="2022-06-24T10:29:52.213" v="106" actId="9405"/>
+          <ac:inkMkLst>
+            <pc:docMk/>
+            <pc:sldMk cId="2248812490" sldId="264"/>
+            <ac:inkMk id="3" creationId="{6B41C859-EAA4-ED58-0341-A73ED8060676}"/>
+          </ac:inkMkLst>
+        </pc:inkChg>
+        <pc:inkChg chg="add del">
+          <ac:chgData name="kartik verma" userId="33168c40b5e5c6d2" providerId="LiveId" clId="{9A387CA0-64FF-436D-BCB2-E184F293D2BA}" dt="2022-06-24T10:29:51.956" v="105" actId="9405"/>
+          <ac:inkMkLst>
+            <pc:docMk/>
+            <pc:sldMk cId="2248812490" sldId="264"/>
+            <ac:inkMk id="4" creationId="{845EA38E-6C98-2ECA-B461-0C791432914B}"/>
+          </ac:inkMkLst>
+        </pc:inkChg>
+        <pc:inkChg chg="add del mod">
+          <ac:chgData name="kartik verma" userId="33168c40b5e5c6d2" providerId="LiveId" clId="{9A387CA0-64FF-436D-BCB2-E184F293D2BA}" dt="2022-06-24T10:29:51.716" v="104" actId="9405"/>
+          <ac:inkMkLst>
+            <pc:docMk/>
+            <pc:sldMk cId="2248812490" sldId="264"/>
+            <ac:inkMk id="6" creationId="{3D276570-A58C-AB23-752E-C57A6A867B59}"/>
+          </ac:inkMkLst>
+        </pc:inkChg>
+        <pc:inkChg chg="add del mod">
+          <ac:chgData name="kartik verma" userId="33168c40b5e5c6d2" providerId="LiveId" clId="{9A387CA0-64FF-436D-BCB2-E184F293D2BA}" dt="2022-06-24T10:29:51.456" v="103"/>
+          <ac:inkMkLst>
+            <pc:docMk/>
+            <pc:sldMk cId="2248812490" sldId="264"/>
+            <ac:inkMk id="7" creationId="{992DFF8E-C66D-7D70-2D29-A8E69E47AC05}"/>
+          </ac:inkMkLst>
+        </pc:inkChg>
+        <pc:inkChg chg="add del">
+          <ac:chgData name="kartik verma" userId="33168c40b5e5c6d2" providerId="LiveId" clId="{9A387CA0-64FF-436D-BCB2-E184F293D2BA}" dt="2022-06-24T10:29:51.219" v="101" actId="9405"/>
+          <ac:inkMkLst>
+            <pc:docMk/>
+            <pc:sldMk cId="2248812490" sldId="264"/>
+            <ac:inkMk id="9" creationId="{871C2545-94BE-95D5-EA99-EB2127823EA8}"/>
+          </ac:inkMkLst>
+        </pc:inkChg>
+        <pc:inkChg chg="add del">
+          <ac:chgData name="kartik verma" userId="33168c40b5e5c6d2" providerId="LiveId" clId="{9A387CA0-64FF-436D-BCB2-E184F293D2BA}" dt="2022-06-24T10:29:50.899" v="100" actId="9405"/>
+          <ac:inkMkLst>
+            <pc:docMk/>
+            <pc:sldMk cId="2248812490" sldId="264"/>
+            <ac:inkMk id="10" creationId="{C1B04120-0374-575D-DB7E-7632412A9A53}"/>
+          </ac:inkMkLst>
+        </pc:inkChg>
+        <pc:inkChg chg="add del">
+          <ac:chgData name="kartik verma" userId="33168c40b5e5c6d2" providerId="LiveId" clId="{9A387CA0-64FF-436D-BCB2-E184F293D2BA}" dt="2022-06-24T10:29:50.128" v="99" actId="9405"/>
+          <ac:inkMkLst>
+            <pc:docMk/>
+            <pc:sldMk cId="2248812490" sldId="264"/>
+            <ac:inkMk id="11" creationId="{B6576029-7F53-E858-3732-45A14C23B6B9}"/>
+          </ac:inkMkLst>
+        </pc:inkChg>
+      </pc:sldChg>
+      <pc:sldChg chg="addSp delSp mod">
+        <pc:chgData name="kartik verma" userId="33168c40b5e5c6d2" providerId="LiveId" clId="{9A387CA0-64FF-436D-BCB2-E184F293D2BA}" dt="2022-06-24T10:29:47.543" v="98" actId="9405"/>
+        <pc:sldMkLst>
+          <pc:docMk/>
+          <pc:sldMk cId="777331469" sldId="265"/>
+        </pc:sldMkLst>
+        <pc:inkChg chg="add del">
+          <ac:chgData name="kartik verma" userId="33168c40b5e5c6d2" providerId="LiveId" clId="{9A387CA0-64FF-436D-BCB2-E184F293D2BA}" dt="2022-06-24T10:29:47.543" v="98" actId="9405"/>
+          <ac:inkMkLst>
+            <pc:docMk/>
+            <pc:sldMk cId="777331469" sldId="265"/>
+            <ac:inkMk id="4" creationId="{3791C6EF-9AFB-F9DF-5E0C-D628F5E354F7}"/>
+          </ac:inkMkLst>
+        </pc:inkChg>
+        <pc:inkChg chg="add del">
+          <ac:chgData name="kartik verma" userId="33168c40b5e5c6d2" providerId="LiveId" clId="{9A387CA0-64FF-436D-BCB2-E184F293D2BA}" dt="2022-06-24T10:29:47.251" v="97" actId="9405"/>
+          <ac:inkMkLst>
+            <pc:docMk/>
+            <pc:sldMk cId="777331469" sldId="265"/>
+            <ac:inkMk id="5" creationId="{E09833DB-1CDF-9EAB-8A23-88A534A6DC6F}"/>
+          </ac:inkMkLst>
+        </pc:inkChg>
+        <pc:inkChg chg="add del">
+          <ac:chgData name="kartik verma" userId="33168c40b5e5c6d2" providerId="LiveId" clId="{9A387CA0-64FF-436D-BCB2-E184F293D2BA}" dt="2022-06-24T10:29:46.940" v="96" actId="9405"/>
+          <ac:inkMkLst>
+            <pc:docMk/>
+            <pc:sldMk cId="777331469" sldId="265"/>
+            <ac:inkMk id="6" creationId="{12854BC1-C5E5-D78C-76F8-21455DBAE3F8}"/>
+          </ac:inkMkLst>
+        </pc:inkChg>
+      </pc:sldChg>
+    </pc:docChg>
+  </pc:docChgLst>
+</pc:chgInfo>
+</file>
+
+<file path=ppt/ink/ink1.xml><?xml version="1.0" encoding="utf-8"?>
+<inkml:ink xmlns:inkml="http://www.w3.org/2003/InkML">
+  <inkml:definitions>
+    <inkml:context xml:id="ctx0">
+      <inkml:inkSource xml:id="inkSrc0">
+        <inkml:traceFormat>
+          <inkml:channel name="X" type="integer" min="-2.14748E9" max="2.14748E9" units="cm"/>
+          <inkml:channel name="Y" type="integer" min="-2.14748E9" max="2.14748E9" units="cm"/>
+          <inkml:channel name="F" type="integer" max="32767" units="dev"/>
+        </inkml:traceFormat>
+        <inkml:channelProperties>
+          <inkml:channelProperty channel="X" name="resolution" value="1000" units="1/cm"/>
+          <inkml:channelProperty channel="Y" name="resolution" value="1000" units="1/cm"/>
+          <inkml:channelProperty channel="F" name="resolution" value="0" units="1/dev"/>
+        </inkml:channelProperties>
+      </inkml:inkSource>
+      <inkml:timestamp xml:id="ts0" timeString="2022-06-24T09:52:20.711"/>
+    </inkml:context>
+    <inkml:brush xml:id="br0">
+      <inkml:brushProperty name="width" value="0.05" units="cm"/>
+      <inkml:brushProperty name="height" value="0.05" units="cm"/>
+    </inkml:brush>
+  </inkml:definitions>
+  <inkml:trace contextRef="#ctx0" brushRef="#br0">451 351 24575,'-5'2'0,"0"1"0,0 0 0,1 0 0,-1 0 0,1 0 0,0 1 0,0 0 0,0-1 0,0 2 0,-2 3 0,3-5 0,-29 38 0,1 2 0,-34 63 0,0 0 0,52-86 0,-78 128 0,82-131 0,1 1 0,1 0 0,0 0 0,2 1 0,0-1 0,-5 37 0,6-23 0,-16 58 0,13-63 0,1 0 0,1 0 0,-2 41 0,8 499 0,1-542 0,0 1 0,1-1 0,2 1 0,0-1 0,2 0 0,1-1 0,1 0 0,1 0 0,0-1 0,2 0 0,1-1 0,1 0 0,20 24 0,-18-29 0,1-1 0,1-1 0,0 0 0,38 22 0,-49-33 0,0 0 0,1-1 0,-1 0 0,0-1 0,1 0 0,0 0 0,-1 0 0,1-1 0,0 0 0,0 0 0,0-1 0,0 0 0,0-1 0,-1 0 0,1 0 0,0 0 0,0-1 0,-1 0 0,1-1 0,-1 0 0,14-7 0,9-6 0,-1-2 0,-1-1 0,45-41 0,-49 40 0,-2 0 0,-1 0 0,-1-2 0,-1 0 0,-1-2 0,-1 0 0,-1 0 0,-2-2 0,0 0 0,10-27 0,22-45 0,-29 66 0,-2-1 0,0-1 0,15-58 0,-21 58 0,23-56 0,-18 55 0,12-46 0,-20 43 0,-1-1 0,-2 1 0,-2-1 0,-5-47 0,2-1 0,-11-232 0,5 243 0,-4 1 0,-24-88 0,22 112 0,-4-13 0,-26-65 0,37 112 0,0 0 0,-2 1 0,0 0 0,-1 0 0,0 1 0,-2 0 0,1 1 0,-24-22 0,30 32 15,0 0 0,0 1 0,-1 0 0,1-1 0,-1 1 0,0 1 0,-7-3 0,11 4-86,-1 0 1,1 1-1,0-1 0,-1 1 0,1 0 1,-1-1-1,1 1 0,-1 0 1,1 0-1,-1 1 0,1-1 0,0 0 1,-1 1-1,1 0 0,-1-1 1,1 1-1,0 0 0,-1 0 0,1 0 1,-4 3-1,-5 7-6755</inkml:trace>
+</inkml:ink>
 </file>
 
 <file path=ppt/slideLayouts/slideLayout1.xml><?xml version="1.0" encoding="utf-8"?>
@@ -844,7 +1599,7 @@
           <a:p>
             <a:fld id="{8D6C9FA2-CCD0-4242-A55A-95D464BE4344}" type="datetimeFigureOut">
               <a:rPr lang="en-US" smtClean="0"/>
-              <a:t>4/26/2022</a:t>
+              <a:t>6/24/2022</a:t>
             </a:fld>
             <a:endParaRPr lang="en-US"/>
           </a:p>
@@ -1095,7 +1850,7 @@
           <a:p>
             <a:fld id="{8D6C9FA2-CCD0-4242-A55A-95D464BE4344}" type="datetimeFigureOut">
               <a:rPr lang="en-US" smtClean="0"/>
-              <a:t>4/26/2022</a:t>
+              <a:t>6/24/2022</a:t>
             </a:fld>
             <a:endParaRPr lang="en-US"/>
           </a:p>
@@ -1409,7 +2164,7 @@
           <a:p>
             <a:fld id="{8D6C9FA2-CCD0-4242-A55A-95D464BE4344}" type="datetimeFigureOut">
               <a:rPr lang="en-US" smtClean="0"/>
-              <a:t>4/26/2022</a:t>
+              <a:t>6/24/2022</a:t>
             </a:fld>
             <a:endParaRPr lang="en-US"/>
           </a:p>
@@ -1750,7 +2505,7 @@
           <a:p>
             <a:fld id="{8D6C9FA2-CCD0-4242-A55A-95D464BE4344}" type="datetimeFigureOut">
               <a:rPr lang="en-US" smtClean="0"/>
-              <a:t>4/26/2022</a:t>
+              <a:t>6/24/2022</a:t>
             </a:fld>
             <a:endParaRPr lang="en-US"/>
           </a:p>
@@ -2064,7 +2819,7 @@
           <a:p>
             <a:fld id="{8D6C9FA2-CCD0-4242-A55A-95D464BE4344}" type="datetimeFigureOut">
               <a:rPr lang="en-US" smtClean="0"/>
-              <a:t>4/26/2022</a:t>
+              <a:t>6/24/2022</a:t>
             </a:fld>
             <a:endParaRPr lang="en-US"/>
           </a:p>
@@ -2457,7 +3212,7 @@
           <a:p>
             <a:fld id="{8D6C9FA2-CCD0-4242-A55A-95D464BE4344}" type="datetimeFigureOut">
               <a:rPr lang="en-US" smtClean="0"/>
-              <a:t>4/26/2022</a:t>
+              <a:t>6/24/2022</a:t>
             </a:fld>
             <a:endParaRPr lang="en-US"/>
           </a:p>
@@ -2627,7 +3382,7 @@
           <a:p>
             <a:fld id="{8D6C9FA2-CCD0-4242-A55A-95D464BE4344}" type="datetimeFigureOut">
               <a:rPr lang="en-US" smtClean="0"/>
-              <a:t>4/26/2022</a:t>
+              <a:t>6/24/2022</a:t>
             </a:fld>
             <a:endParaRPr lang="en-US"/>
           </a:p>
@@ -2807,7 +3562,7 @@
           <a:p>
             <a:fld id="{8D6C9FA2-CCD0-4242-A55A-95D464BE4344}" type="datetimeFigureOut">
               <a:rPr lang="en-US" smtClean="0"/>
-              <a:t>4/26/2022</a:t>
+              <a:t>6/24/2022</a:t>
             </a:fld>
             <a:endParaRPr lang="en-US"/>
           </a:p>
@@ -2983,7 +3738,7 @@
           <a:p>
             <a:fld id="{8D6C9FA2-CCD0-4242-A55A-95D464BE4344}" type="datetimeFigureOut">
               <a:rPr lang="en-US" smtClean="0"/>
-              <a:t>4/26/2022</a:t>
+              <a:t>6/24/2022</a:t>
             </a:fld>
             <a:endParaRPr lang="en-US"/>
           </a:p>
@@ -3230,7 +3985,7 @@
           <a:p>
             <a:fld id="{8D6C9FA2-CCD0-4242-A55A-95D464BE4344}" type="datetimeFigureOut">
               <a:rPr lang="en-US" smtClean="0"/>
-              <a:t>4/26/2022</a:t>
+              <a:t>6/24/2022</a:t>
             </a:fld>
             <a:endParaRPr lang="en-US"/>
           </a:p>
@@ -3462,7 +4217,7 @@
           <a:p>
             <a:fld id="{8D6C9FA2-CCD0-4242-A55A-95D464BE4344}" type="datetimeFigureOut">
               <a:rPr lang="en-US" smtClean="0"/>
-              <a:t>4/26/2022</a:t>
+              <a:t>6/24/2022</a:t>
             </a:fld>
             <a:endParaRPr lang="en-US"/>
           </a:p>
@@ -3836,7 +4591,7 @@
           <a:p>
             <a:fld id="{8D6C9FA2-CCD0-4242-A55A-95D464BE4344}" type="datetimeFigureOut">
               <a:rPr lang="en-US" smtClean="0"/>
-              <a:t>4/26/2022</a:t>
+              <a:t>6/24/2022</a:t>
             </a:fld>
             <a:endParaRPr lang="en-US"/>
           </a:p>
@@ -3959,7 +4714,7 @@
           <a:p>
             <a:fld id="{8D6C9FA2-CCD0-4242-A55A-95D464BE4344}" type="datetimeFigureOut">
               <a:rPr lang="en-US" smtClean="0"/>
-              <a:t>4/26/2022</a:t>
+              <a:t>6/24/2022</a:t>
             </a:fld>
             <a:endParaRPr lang="en-US"/>
           </a:p>
@@ -4054,7 +4809,7 @@
           <a:p>
             <a:fld id="{8D6C9FA2-CCD0-4242-A55A-95D464BE4344}" type="datetimeFigureOut">
               <a:rPr lang="en-US" smtClean="0"/>
-              <a:t>4/26/2022</a:t>
+              <a:t>6/24/2022</a:t>
             </a:fld>
             <a:endParaRPr lang="en-US"/>
           </a:p>
@@ -4309,7 +5064,7 @@
           <a:p>
             <a:fld id="{8D6C9FA2-CCD0-4242-A55A-95D464BE4344}" type="datetimeFigureOut">
               <a:rPr lang="en-US" smtClean="0"/>
-              <a:t>4/26/2022</a:t>
+              <a:t>6/24/2022</a:t>
             </a:fld>
             <a:endParaRPr lang="en-US"/>
           </a:p>
@@ -4572,7 +5327,7 @@
           <a:p>
             <a:fld id="{8D6C9FA2-CCD0-4242-A55A-95D464BE4344}" type="datetimeFigureOut">
               <a:rPr lang="en-US" smtClean="0"/>
-              <a:t>4/26/2022</a:t>
+              <a:t>6/24/2022</a:t>
             </a:fld>
             <a:endParaRPr lang="en-US"/>
           </a:p>
@@ -5315,7 +6070,7 @@
           <a:p>
             <a:fld id="{8D6C9FA2-CCD0-4242-A55A-95D464BE4344}" type="datetimeFigureOut">
               <a:rPr lang="en-US" smtClean="0"/>
-              <a:t>4/26/2022</a:t>
+              <a:t>6/24/2022</a:t>
             </a:fld>
             <a:endParaRPr lang="en-US"/>
           </a:p>
@@ -6788,6 +7543,57 @@
           </a:xfrm>
         </p:spPr>
       </p:pic>
+      <mc:AlternateContent xmlns:mc="http://schemas.openxmlformats.org/markup-compatibility/2006">
+        <mc:Choice xmlns:p14="http://schemas.microsoft.com/office/powerpoint/2010/main" Requires="p14">
+          <p:contentPart p14:bwMode="auto" r:id="rId3">
+            <p14:nvContentPartPr>
+              <p14:cNvPr id="2" name="Ink 1">
+                <a:extLst>
+                  <a:ext uri="{FF2B5EF4-FFF2-40B4-BE49-F238E27FC236}">
+                    <a16:creationId xmlns:a16="http://schemas.microsoft.com/office/drawing/2014/main" id="{2E382A41-7C4D-3F19-FADB-C5F230570288}"/>
+                  </a:ext>
+                </a:extLst>
+              </p14:cNvPr>
+              <p14:cNvContentPartPr/>
+              <p14:nvPr/>
+            </p14:nvContentPartPr>
+            <p14:xfrm>
+              <a:off x="9116301" y="4320459"/>
+              <a:ext cx="370800" cy="844560"/>
+            </p14:xfrm>
+          </p:contentPart>
+        </mc:Choice>
+        <mc:Fallback>
+          <p:pic>
+            <p:nvPicPr>
+              <p:cNvPr id="2" name="Ink 1">
+                <a:extLst>
+                  <a:ext uri="{FF2B5EF4-FFF2-40B4-BE49-F238E27FC236}">
+                    <a16:creationId xmlns:a16="http://schemas.microsoft.com/office/drawing/2014/main" id="{2E382A41-7C4D-3F19-FADB-C5F230570288}"/>
+                  </a:ext>
+                </a:extLst>
+              </p:cNvPr>
+              <p:cNvPicPr/>
+              <p:nvPr/>
+            </p:nvPicPr>
+            <p:blipFill>
+              <a:blip r:embed="rId4"/>
+              <a:stretch>
+                <a:fillRect/>
+              </a:stretch>
+            </p:blipFill>
+            <p:spPr>
+              <a:xfrm>
+                <a:off x="9107661" y="4311459"/>
+                <a:ext cx="388440" cy="862200"/>
+              </a:xfrm>
+              <a:prstGeom prst="rect">
+                <a:avLst/>
+              </a:prstGeom>
+            </p:spPr>
+          </p:pic>
+        </mc:Fallback>
+      </mc:AlternateContent>
     </p:spTree>
     <p:extLst>
       <p:ext uri="{BB962C8B-B14F-4D97-AF65-F5344CB8AC3E}">
